--- a/mesterproba_cikk/prezi/bakro_mesterP2014.pptx
+++ b/mesterproba_cikk/prezi/bakro_mesterP2014.pptx
@@ -240,7 +240,7 @@
           <a:p>
             <a:fld id="{8FAC2FA4-B5E6-4971-89DF-50091BB63D99}" type="datetimeFigureOut">
               <a:rPr lang="hu-HU" smtClean="0"/>
-              <a:t>2014.05.28.</a:t>
+              <a:t>2014.05.29.</a:t>
             </a:fld>
             <a:endParaRPr lang="hu-HU"/>
           </a:p>
@@ -405,7 +405,7 @@
           <a:p>
             <a:fld id="{9B3676AD-974B-46C9-A202-91D8AF384AA7}" type="datetimeFigureOut">
               <a:rPr lang="hu-HU" smtClean="0"/>
-              <a:t>2014.05.28.</a:t>
+              <a:t>2014.05.29.</a:t>
             </a:fld>
             <a:endParaRPr lang="hu-HU"/>
           </a:p>
@@ -1037,7 +1037,7 @@
           <a:p>
             <a:fld id="{D626512A-00F5-4E2C-A7F3-85B6E1E2F17D}" type="datetime1">
               <a:rPr lang="hu-HU" smtClean="0"/>
-              <a:t>2014.05.28.</a:t>
+              <a:t>2014.05.29.</a:t>
             </a:fld>
             <a:endParaRPr lang="hu-HU" dirty="0"/>
           </a:p>
@@ -1246,7 +1246,7 @@
           <a:p>
             <a:fld id="{CD005DB1-2858-484F-84DF-91FC82440583}" type="datetime1">
               <a:rPr lang="hu-HU" smtClean="0"/>
-              <a:t>2014.05.28.</a:t>
+              <a:t>2014.05.29.</a:t>
             </a:fld>
             <a:endParaRPr lang="hu-HU"/>
           </a:p>
@@ -1509,7 +1509,7 @@
           <a:p>
             <a:fld id="{E6799BC6-09DD-4BD2-A5CA-5AC551DC1EF1}" type="datetime1">
               <a:rPr lang="hu-HU" smtClean="0"/>
-              <a:t>2014.05.28.</a:t>
+              <a:t>2014.05.29.</a:t>
             </a:fld>
             <a:endParaRPr lang="hu-HU"/>
           </a:p>
@@ -1611,7 +1611,7 @@
           <a:p>
             <a:fld id="{4DE02EF2-D701-4ADB-9E54-DEBFCC73A17E}" type="datetime1">
               <a:rPr lang="hu-HU" smtClean="0"/>
-              <a:t>2014.05.28.</a:t>
+              <a:t>2014.05.29.</a:t>
             </a:fld>
             <a:endParaRPr lang="hu-HU" dirty="0"/>
           </a:p>
@@ -1810,7 +1810,7 @@
           <a:p>
             <a:fld id="{EFF70858-AA59-471D-AD86-C95885781D90}" type="datetime1">
               <a:rPr lang="hu-HU" smtClean="0"/>
-              <a:t>2014.05.28.</a:t>
+              <a:t>2014.05.29.</a:t>
             </a:fld>
             <a:endParaRPr lang="hu-HU" dirty="0"/>
           </a:p>
@@ -2160,7 +2160,7 @@
           <a:p>
             <a:fld id="{B3D61097-C526-4986-A31D-E6E3CDE3CFE5}" type="datetime1">
               <a:rPr lang="hu-HU" smtClean="0"/>
-              <a:t>2014.05.28.</a:t>
+              <a:t>2014.05.29.</a:t>
             </a:fld>
             <a:endParaRPr lang="hu-HU"/>
           </a:p>
@@ -2442,7 +2442,7 @@
           <a:p>
             <a:fld id="{F9D442F7-74ED-46F9-9F19-5509300904F8}" type="datetime1">
               <a:rPr lang="hu-HU" smtClean="0"/>
-              <a:t>2014.05.28.</a:t>
+              <a:t>2014.05.29.</a:t>
             </a:fld>
             <a:endParaRPr lang="hu-HU"/>
           </a:p>
@@ -2828,7 +2828,7 @@
           <a:p>
             <a:fld id="{29E3964D-D4E5-4D19-BA92-2B361867E1A2}" type="datetime1">
               <a:rPr lang="hu-HU" smtClean="0"/>
-              <a:t>2014.05.28.</a:t>
+              <a:t>2014.05.29.</a:t>
             </a:fld>
             <a:endParaRPr lang="hu-HU"/>
           </a:p>
@@ -2958,7 +2958,7 @@
           <a:p>
             <a:fld id="{0C7D6286-5C10-4EF7-829C-BFE2F53B83CB}" type="datetime1">
               <a:rPr lang="hu-HU" smtClean="0"/>
-              <a:t>2014.05.28.</a:t>
+              <a:t>2014.05.29.</a:t>
             </a:fld>
             <a:endParaRPr lang="hu-HU"/>
           </a:p>
@@ -3136,7 +3136,7 @@
           <a:p>
             <a:fld id="{3ADE154F-2A12-434D-93D1-9F017C8079D7}" type="datetime1">
               <a:rPr lang="hu-HU" smtClean="0"/>
-              <a:t>2014.05.28.</a:t>
+              <a:t>2014.05.29.</a:t>
             </a:fld>
             <a:endParaRPr lang="hu-HU"/>
           </a:p>
@@ -3497,7 +3497,7 @@
           <a:p>
             <a:fld id="{4A8ADFAF-7513-4C6A-9519-4EB186BA71E0}" type="datetime1">
               <a:rPr lang="hu-HU" smtClean="0"/>
-              <a:t>2014.05.28.</a:t>
+              <a:t>2014.05.29.</a:t>
             </a:fld>
             <a:endParaRPr lang="hu-HU"/>
           </a:p>
@@ -3881,7 +3881,7 @@
           <a:p>
             <a:fld id="{58FA66BA-1C24-47FC-8A7D-46007DDBA352}" type="datetime1">
               <a:rPr lang="hu-HU" smtClean="0"/>
-              <a:t>2014.05.28.</a:t>
+              <a:t>2014.05.29.</a:t>
             </a:fld>
             <a:endParaRPr lang="hu-HU"/>
           </a:p>
@@ -4175,7 +4175,7 @@
           <a:p>
             <a:fld id="{4DE02EF2-D701-4ADB-9E54-DEBFCC73A17E}" type="datetime1">
               <a:rPr lang="hu-HU" smtClean="0"/>
-              <a:t>2014.05.28.</a:t>
+              <a:t>2014.05.29.</a:t>
             </a:fld>
             <a:endParaRPr lang="hu-HU" dirty="0"/>
           </a:p>
@@ -5714,6 +5714,37 @@
           </a:graphicData>
         </a:graphic>
       </p:graphicFrame>
+      <p:sp>
+        <p:nvSpPr>
+          <p:cNvPr id="8" name="Szövegdoboz 7"/>
+          <p:cNvSpPr txBox="1"/>
+          <p:nvPr/>
+        </p:nvSpPr>
+        <p:spPr>
+          <a:xfrm>
+            <a:off x="2323939" y="6057534"/>
+            <a:ext cx="2202024" cy="307777"/>
+          </a:xfrm>
+          <a:prstGeom prst="rect">
+            <a:avLst/>
+          </a:prstGeom>
+          <a:noFill/>
+        </p:spPr>
+        <p:txBody>
+          <a:bodyPr wrap="square" rtlCol="0">
+            <a:spAutoFit/>
+          </a:bodyPr>
+          <a:lstStyle/>
+          <a:p>
+            <a:pPr algn="r"/>
+            <a:r>
+              <a:rPr lang="hu-HU" sz="1400" dirty="0" smtClean="0"/>
+              <a:t>[7]</a:t>
+            </a:r>
+            <a:endParaRPr lang="hu-HU" sz="1400" dirty="0"/>
+          </a:p>
+        </p:txBody>
+      </p:sp>
     </p:spTree>
     <p:extLst>
       <p:ext uri="{BB962C8B-B14F-4D97-AF65-F5344CB8AC3E}">
@@ -5792,6 +5823,9 @@
               <a:lstStyle/>
               <a:p>
                 <a:pPr>
+                  <a:lnSpc>
+                    <a:spcPct val="120000"/>
+                  </a:lnSpc>
                   <a:buFont typeface="Arial" panose="020B0604020202020204" pitchFamily="34" charset="0"/>
                   <a:buChar char="•"/>
                 </a:pPr>
@@ -5802,6 +5836,9 @@
               </a:p>
               <a:p>
                 <a:pPr lvl="1">
+                  <a:lnSpc>
+                    <a:spcPct val="120000"/>
+                  </a:lnSpc>
                   <a:buFont typeface="Arial" panose="020B0604020202020204" pitchFamily="34" charset="0"/>
                   <a:buChar char="•"/>
                 </a:pPr>
@@ -5820,6 +5857,9 @@
               </a:p>
               <a:p>
                 <a:pPr lvl="1">
+                  <a:lnSpc>
+                    <a:spcPct val="120000"/>
+                  </a:lnSpc>
                   <a:buFont typeface="Arial" panose="020B0604020202020204" pitchFamily="34" charset="0"/>
                   <a:buChar char="•"/>
                 </a:pPr>
@@ -5860,6 +5900,9 @@
               </a:p>
               <a:p>
                 <a:pPr>
+                  <a:lnSpc>
+                    <a:spcPct val="120000"/>
+                  </a:lnSpc>
                   <a:buFont typeface="Arial" panose="020B0604020202020204" pitchFamily="34" charset="0"/>
                   <a:buChar char="•"/>
                 </a:pPr>
@@ -5870,6 +5913,9 @@
               </a:p>
               <a:p>
                 <a:pPr lvl="1">
+                  <a:lnSpc>
+                    <a:spcPct val="120000"/>
+                  </a:lnSpc>
                   <a:buFont typeface="Arial" panose="020B0604020202020204" pitchFamily="34" charset="0"/>
                   <a:buChar char="•"/>
                 </a:pPr>
@@ -5880,12 +5926,54 @@
               </a:p>
               <a:p>
                 <a:pPr lvl="1">
+                  <a:lnSpc>
+                    <a:spcPct val="120000"/>
+                  </a:lnSpc>
                   <a:buFont typeface="Arial" panose="020B0604020202020204" pitchFamily="34" charset="0"/>
                   <a:buChar char="•"/>
                 </a:pPr>
                 <a:r>
                   <a:rPr lang="hu-HU" dirty="0" smtClean="0"/>
-                  <a:t>Adott sor + alatta,felette lévő sor kerül a lokális memóriába a diszkretizálás végett</a:t>
+                  <a:t>Adott sor + alatta,felette lévő sor kerül a lokális </a:t>
+                </a:r>
+                <a:r>
+                  <a:rPr lang="hu-HU" dirty="0" smtClean="0"/>
+                  <a:t/>
+                </a:r>
+                <a:br>
+                  <a:rPr lang="hu-HU" dirty="0" smtClean="0"/>
+                </a:br>
+                <a:r>
+                  <a:rPr lang="hu-HU" dirty="0" smtClean="0"/>
+                  <a:t>memóriába </a:t>
+                </a:r>
+                <a:r>
+                  <a:rPr lang="hu-HU" dirty="0" smtClean="0"/>
+                  <a:t>a diszkretizálás </a:t>
+                </a:r>
+                <a:r>
+                  <a:rPr lang="hu-HU" dirty="0" smtClean="0"/>
+                  <a:t>végett</a:t>
+                </a:r>
+              </a:p>
+              <a:p>
+                <a:pPr lvl="1">
+                  <a:lnSpc>
+                    <a:spcPct val="120000"/>
+                  </a:lnSpc>
+                  <a:buFont typeface="Arial" panose="020B0604020202020204" pitchFamily="34" charset="0"/>
+                  <a:buChar char="•"/>
+                </a:pPr>
+                <a:r>
+                  <a:rPr lang="hu-HU" dirty="0" smtClean="0"/>
+                  <a:t>Az iteráció végett a potenciál előző és </a:t>
+                </a:r>
+                <a:br>
+                  <a:rPr lang="hu-HU" dirty="0" smtClean="0"/>
+                </a:br>
+                <a:r>
+                  <a:rPr lang="hu-HU" dirty="0" smtClean="0"/>
+                  <a:t>következő értékét tartalmazza.</a:t>
                 </a:r>
                 <a:endParaRPr lang="hu-HU" dirty="0"/>
               </a:p>
@@ -5907,7 +5995,7 @@
               <a:blipFill rotWithShape="0">
                 <a:blip r:embed="rId2"/>
                 <a:stretch>
-                  <a:fillRect l="-1939" t="-1505" r="-1939"/>
+                  <a:fillRect l="-1939" r="-1939"/>
                 </a:stretch>
               </a:blipFill>
             </p:spPr>
@@ -5965,8 +6053,8 @@
         </p:blipFill>
         <p:spPr>
           <a:xfrm>
-            <a:off x="5570950" y="4345255"/>
-            <a:ext cx="2838413" cy="2066264"/>
+            <a:off x="5696469" y="3956180"/>
+            <a:ext cx="3372883" cy="2455339"/>
           </a:xfrm>
           <a:prstGeom prst="rect">
             <a:avLst/>
@@ -6056,8 +6144,8 @@
           </a:p>
         </p:txBody>
       </p:sp>
-      <mc:AlternateContent xmlns:mc="http://schemas.openxmlformats.org/markup-compatibility/2006">
-        <mc:Choice xmlns:a14="http://schemas.microsoft.com/office/drawing/2010/main" Requires="a14">
+      <mc:AlternateContent xmlns:mc="http://schemas.openxmlformats.org/markup-compatibility/2006" xmlns:a14="http://schemas.microsoft.com/office/drawing/2010/main">
+        <mc:Choice Requires="a14">
           <p:graphicFrame>
             <p:nvGraphicFramePr>
               <p:cNvPr id="4" name="Tartalom helye 3"/>
@@ -6307,7 +6395,9 @@
                               </m:oMathParaPr>
                               <m:oMath xmlns:m="http://schemas.openxmlformats.org/officeDocument/2006/math">
                                 <m:r>
-                                  <a:rPr lang="hu-HU" smtClean="0"/>
+                                  <a:rPr lang="hu-HU" smtClean="0">
+                                    <a:latin typeface="Cambria Math" panose="02040503050406030204" pitchFamily="18" charset="0"/>
+                                  </a:rPr>
                                   <m:t>12×12×32.3</m:t>
                                 </m:r>
                               </m:oMath>
@@ -6333,6 +6423,7 @@
                         <a:bodyPr/>
                         <a:lstStyle/>
                         <a:p>
+                          <a:pPr/>
                           <a14:m>
                             <m:oMathPara xmlns:m="http://schemas.openxmlformats.org/officeDocument/2006/math">
                               <m:oMathParaPr>
@@ -6340,7 +6431,9 @@
                               </m:oMathParaPr>
                               <m:oMath xmlns:m="http://schemas.openxmlformats.org/officeDocument/2006/math">
                                 <m:r>
-                                  <a:rPr lang="hu-HU" smtClean="0"/>
+                                  <a:rPr lang="hu-HU" smtClean="0">
+                                    <a:latin typeface="Cambria Math" panose="02040503050406030204" pitchFamily="18" charset="0"/>
+                                  </a:rPr>
                                   <m:t>0</m:t>
                                 </m:r>
                               </m:oMath>
@@ -6366,6 +6459,7 @@
                         <a:bodyPr/>
                         <a:lstStyle/>
                         <a:p>
+                          <a:pPr/>
                           <a14:m>
                             <m:oMathPara xmlns:m="http://schemas.openxmlformats.org/officeDocument/2006/math">
                               <m:oMathParaPr>
@@ -6373,11 +6467,15 @@
                               </m:oMathParaPr>
                               <m:oMath xmlns:m="http://schemas.openxmlformats.org/officeDocument/2006/math">
                                 <m:r>
-                                  <a:rPr lang="hu-HU" smtClean="0"/>
+                                  <a:rPr lang="hu-HU" smtClean="0">
+                                    <a:latin typeface="Cambria Math" panose="02040503050406030204" pitchFamily="18" charset="0"/>
+                                  </a:rPr>
                                   <m:t>5990 </m:t>
                                 </m:r>
                                 <m:r>
-                                  <a:rPr lang="hu-HU" smtClean="0"/>
+                                  <a:rPr lang="hu-HU" smtClean="0">
+                                    <a:latin typeface="Cambria Math" panose="02040503050406030204" pitchFamily="18" charset="0"/>
+                                  </a:rPr>
                                   <m:t>𝑚𝑠</m:t>
                                 </m:r>
                               </m:oMath>
@@ -6411,15 +6509,21 @@
                               </m:oMathParaPr>
                               <m:oMath xmlns:m="http://schemas.openxmlformats.org/officeDocument/2006/math">
                                 <m:r>
-                                  <a:rPr lang="hu-HU" b="1" i="1" smtClean="0"/>
+                                  <a:rPr lang="hu-HU" b="1" i="1" smtClean="0">
+                                    <a:latin typeface="Cambria Math" panose="02040503050406030204" pitchFamily="18" charset="0"/>
+                                  </a:rPr>
                                   <m:t>𝟒𝟏𝟎</m:t>
                                 </m:r>
                                 <m:r>
-                                  <a:rPr lang="hu-HU" b="1" smtClean="0"/>
+                                  <a:rPr lang="hu-HU" b="1" smtClean="0">
+                                    <a:latin typeface="Cambria Math" panose="02040503050406030204" pitchFamily="18" charset="0"/>
+                                  </a:rPr>
                                   <m:t> </m:t>
                                 </m:r>
                                 <m:r>
-                                  <a:rPr lang="hu-HU" b="1" i="1" smtClean="0"/>
+                                  <a:rPr lang="hu-HU" b="1" i="1" smtClean="0">
+                                    <a:latin typeface="Cambria Math" panose="02040503050406030204" pitchFamily="18" charset="0"/>
+                                  </a:rPr>
                                   <m:t>𝐦𝐬</m:t>
                                 </m:r>
                               </m:oMath>
@@ -6503,7 +6607,9 @@
                               </m:oMathParaPr>
                               <m:oMath xmlns:m="http://schemas.openxmlformats.org/officeDocument/2006/math">
                                 <m:r>
-                                  <a:rPr lang="hu-HU" smtClean="0"/>
+                                  <a:rPr lang="hu-HU" smtClean="0">
+                                    <a:latin typeface="Cambria Math" panose="02040503050406030204" pitchFamily="18" charset="0"/>
+                                  </a:rPr>
                                   <m:t>12×12×32.3</m:t>
                                 </m:r>
                               </m:oMath>
@@ -6519,6 +6625,7 @@
                         <a:bodyPr/>
                         <a:lstStyle/>
                         <a:p>
+                          <a:pPr/>
                           <a14:m>
                             <m:oMathPara xmlns:m="http://schemas.openxmlformats.org/officeDocument/2006/math">
                               <m:oMathParaPr>
@@ -6526,7 +6633,9 @@
                               </m:oMathParaPr>
                               <m:oMath xmlns:m="http://schemas.openxmlformats.org/officeDocument/2006/math">
                                 <m:r>
-                                  <a:rPr lang="hu-HU" smtClean="0"/>
+                                  <a:rPr lang="hu-HU" smtClean="0">
+                                    <a:latin typeface="Cambria Math" panose="02040503050406030204" pitchFamily="18" charset="0"/>
+                                  </a:rPr>
                                   <m:t>0.48×12×12×30</m:t>
                                 </m:r>
                               </m:oMath>
@@ -6542,6 +6651,7 @@
                         <a:bodyPr/>
                         <a:lstStyle/>
                         <a:p>
+                          <a:pPr/>
                           <a14:m>
                             <m:oMathPara xmlns:m="http://schemas.openxmlformats.org/officeDocument/2006/math">
                               <m:oMathParaPr>
@@ -6549,11 +6659,15 @@
                               </m:oMathParaPr>
                               <m:oMath xmlns:m="http://schemas.openxmlformats.org/officeDocument/2006/math">
                                 <m:r>
-                                  <a:rPr lang="hu-HU" smtClean="0"/>
+                                  <a:rPr lang="hu-HU" smtClean="0">
+                                    <a:latin typeface="Cambria Math" panose="02040503050406030204" pitchFamily="18" charset="0"/>
+                                  </a:rPr>
                                   <m:t>2530 </m:t>
                                 </m:r>
                                 <m:r>
-                                  <a:rPr lang="hu-HU" smtClean="0"/>
+                                  <a:rPr lang="hu-HU" smtClean="0">
+                                    <a:latin typeface="Cambria Math" panose="02040503050406030204" pitchFamily="18" charset="0"/>
+                                  </a:rPr>
                                   <m:t>𝑚𝑠</m:t>
                                 </m:r>
                               </m:oMath>
@@ -6577,15 +6691,21 @@
                               </m:oMathParaPr>
                               <m:oMath xmlns:m="http://schemas.openxmlformats.org/officeDocument/2006/math">
                                 <m:r>
-                                  <a:rPr lang="hu-HU" b="1" i="1" smtClean="0"/>
+                                  <a:rPr lang="hu-HU" b="1" i="1" smtClean="0">
+                                    <a:latin typeface="Cambria Math" panose="02040503050406030204" pitchFamily="18" charset="0"/>
+                                  </a:rPr>
                                   <m:t>𝟏𝟕𝟎</m:t>
                                 </m:r>
                                 <m:r>
-                                  <a:rPr lang="hu-HU" b="1" smtClean="0"/>
+                                  <a:rPr lang="hu-HU" b="1" smtClean="0">
+                                    <a:latin typeface="Cambria Math" panose="02040503050406030204" pitchFamily="18" charset="0"/>
+                                  </a:rPr>
                                   <m:t> </m:t>
                                 </m:r>
                                 <m:r>
-                                  <a:rPr lang="hu-HU" b="1" i="1" smtClean="0"/>
+                                  <a:rPr lang="hu-HU" b="1" i="1" smtClean="0">
+                                    <a:latin typeface="Cambria Math" panose="02040503050406030204" pitchFamily="18" charset="0"/>
+                                  </a:rPr>
                                   <m:t>𝐦𝐬</m:t>
                                 </m:r>
                               </m:oMath>
@@ -6676,7 +6796,9 @@
                               </m:oMathParaPr>
                               <m:oMath xmlns:m="http://schemas.openxmlformats.org/officeDocument/2006/math">
                                 <m:r>
-                                  <a:rPr lang="hu-HU" smtClean="0"/>
+                                  <a:rPr lang="hu-HU" smtClean="0">
+                                    <a:latin typeface="Cambria Math" panose="02040503050406030204" pitchFamily="18" charset="0"/>
+                                  </a:rPr>
                                   <m:t>12×12×32.3</m:t>
                                 </m:r>
                               </m:oMath>
@@ -6724,7 +6846,9 @@
                               </m:oMathParaPr>
                               <m:oMath xmlns:m="http://schemas.openxmlformats.org/officeDocument/2006/math">
                                 <m:r>
-                                  <a:rPr lang="hu-HU" smtClean="0"/>
+                                  <a:rPr lang="hu-HU" smtClean="0">
+                                    <a:latin typeface="Cambria Math" panose="02040503050406030204" pitchFamily="18" charset="0"/>
+                                  </a:rPr>
                                   <m:t>2.08×12×12×30</m:t>
                                 </m:r>
                               </m:oMath>
@@ -6772,11 +6896,15 @@
                               </m:oMathParaPr>
                               <m:oMath xmlns:m="http://schemas.openxmlformats.org/officeDocument/2006/math">
                                 <m:r>
-                                  <a:rPr lang="hu-HU" smtClean="0"/>
+                                  <a:rPr lang="hu-HU" smtClean="0">
+                                    <a:latin typeface="Cambria Math" panose="02040503050406030204" pitchFamily="18" charset="0"/>
+                                  </a:rPr>
                                   <m:t>510 </m:t>
                                 </m:r>
                                 <m:r>
-                                  <a:rPr lang="hu-HU" smtClean="0"/>
+                                  <a:rPr lang="hu-HU" smtClean="0">
+                                    <a:latin typeface="Cambria Math" panose="02040503050406030204" pitchFamily="18" charset="0"/>
+                                  </a:rPr>
                                   <m:t>𝑚𝑠</m:t>
                                 </m:r>
                               </m:oMath>
@@ -6824,23 +6952,33 @@
                               </m:oMathParaPr>
                               <m:oMath xmlns:m="http://schemas.openxmlformats.org/officeDocument/2006/math">
                                 <m:r>
-                                  <a:rPr lang="hu-HU" b="1" i="1" smtClean="0"/>
+                                  <a:rPr lang="hu-HU" b="1" i="1" smtClean="0">
+                                    <a:latin typeface="Cambria Math" panose="02040503050406030204" pitchFamily="18" charset="0"/>
+                                  </a:rPr>
                                   <m:t>𝟑</m:t>
                                 </m:r>
                                 <m:r>
-                                  <a:rPr lang="hu-HU" b="1" smtClean="0"/>
+                                  <a:rPr lang="hu-HU" b="1" smtClean="0">
+                                    <a:latin typeface="Cambria Math" panose="02040503050406030204" pitchFamily="18" charset="0"/>
+                                  </a:rPr>
                                   <m:t>.</m:t>
                                 </m:r>
                                 <m:r>
-                                  <a:rPr lang="hu-HU" b="1" i="1" smtClean="0"/>
+                                  <a:rPr lang="hu-HU" b="1" i="1" smtClean="0">
+                                    <a:latin typeface="Cambria Math" panose="02040503050406030204" pitchFamily="18" charset="0"/>
+                                  </a:rPr>
                                   <m:t>𝟓</m:t>
                                 </m:r>
                                 <m:r>
-                                  <a:rPr lang="hu-HU" b="1" smtClean="0"/>
+                                  <a:rPr lang="hu-HU" b="1" smtClean="0">
+                                    <a:latin typeface="Cambria Math" panose="02040503050406030204" pitchFamily="18" charset="0"/>
+                                  </a:rPr>
                                   <m:t> </m:t>
                                 </m:r>
                                 <m:r>
-                                  <a:rPr lang="hu-HU" b="1" i="1" smtClean="0"/>
+                                  <a:rPr lang="hu-HU" b="1" i="1" smtClean="0">
+                                    <a:latin typeface="Cambria Math" panose="02040503050406030204" pitchFamily="18" charset="0"/>
+                                  </a:rPr>
                                   <m:t>𝐦𝐬</m:t>
                                 </m:r>
                               </m:oMath>
@@ -6872,7 +7010,7 @@
             </a:graphic>
           </p:graphicFrame>
         </mc:Choice>
-        <mc:Fallback>
+        <mc:Fallback xmlns="">
           <p:graphicFrame>
             <p:nvGraphicFramePr>
               <p:cNvPr id="4" name="Tartalom helye 3"/>
@@ -8067,11 +8205,7 @@
             </a:pPr>
             <a:r>
               <a:rPr lang="hu-HU" dirty="0" smtClean="0"/>
-              <a:t>Felületi topológia </a:t>
-            </a:r>
-            <a:r>
-              <a:rPr lang="hu-HU" dirty="0" smtClean="0"/>
-              <a:t>mérése</a:t>
+              <a:t>Felületi topológia mérése</a:t>
             </a:r>
             <a:br>
               <a:rPr lang="hu-HU" dirty="0" smtClean="0"/>
@@ -8403,15 +8537,7 @@
                   <a:srgbClr val="AFD4EF"/>
                 </a:solidFill>
               </a:rPr>
-              <a:t>Felületi topológia </a:t>
-            </a:r>
-            <a:r>
-              <a:rPr lang="hu-HU" dirty="0" smtClean="0">
-                <a:solidFill>
-                  <a:srgbClr val="AFD4EF"/>
-                </a:solidFill>
-              </a:rPr>
-              <a:t>mérése</a:t>
+              <a:t>Felületi topológia mérése</a:t>
             </a:r>
             <a:br>
               <a:rPr lang="hu-HU" dirty="0" smtClean="0">
@@ -8426,15 +8552,7 @@
                   <a:srgbClr val="AFD4EF"/>
                 </a:solidFill>
               </a:rPr>
-              <a:t>kontakt </a:t>
-            </a:r>
-            <a:r>
-              <a:rPr lang="hu-HU" dirty="0" smtClean="0">
-                <a:solidFill>
-                  <a:srgbClr val="AFD4EF"/>
-                </a:solidFill>
-              </a:rPr>
-              <a:t>módban</a:t>
+              <a:t>kontakt módban</a:t>
             </a:r>
           </a:p>
           <a:p>
@@ -8635,8 +8753,8 @@
           </a:p>
         </p:txBody>
       </p:sp>
-      <mc:AlternateContent xmlns:mc="http://schemas.openxmlformats.org/markup-compatibility/2006">
-        <mc:Choice xmlns:a14="http://schemas.microsoft.com/office/drawing/2010/main" Requires="a14">
+      <mc:AlternateContent xmlns:mc="http://schemas.openxmlformats.org/markup-compatibility/2006" xmlns:a14="http://schemas.microsoft.com/office/drawing/2010/main">
+        <mc:Choice Requires="a14">
           <p:sp>
             <p:nvSpPr>
               <p:cNvPr id="4" name="Tartalom helye 3"/>
@@ -8740,7 +8858,6 @@
                   <a:rPr lang="hu-HU" dirty="0" smtClean="0"/>
                   <a:t>   konstans erő</a:t>
                 </a:r>
-                <a:endParaRPr lang="hu-HU" dirty="0" smtClean="0"/>
               </a:p>
               <a:p>
                 <a:pPr>
@@ -8808,7 +8925,7 @@
             </p:txBody>
           </p:sp>
         </mc:Choice>
-        <mc:Fallback>
+        <mc:Fallback xmlns="">
           <p:sp>
             <p:nvSpPr>
               <p:cNvPr id="4" name="Tartalom helye 3"/>
@@ -9058,8 +9175,8 @@
           </a:p>
         </p:txBody>
       </p:sp>
-      <mc:AlternateContent xmlns:mc="http://schemas.openxmlformats.org/markup-compatibility/2006">
-        <mc:Choice xmlns:a14="http://schemas.microsoft.com/office/drawing/2010/main" Requires="a14">
+      <mc:AlternateContent xmlns:mc="http://schemas.openxmlformats.org/markup-compatibility/2006" xmlns:a14="http://schemas.microsoft.com/office/drawing/2010/main">
+        <mc:Choice Requires="a14">
           <p:sp>
             <p:nvSpPr>
               <p:cNvPr id="4" name="Tartalom helye 3"/>
@@ -9193,10 +9310,6 @@
                   <a:rPr lang="hu-HU" dirty="0" smtClean="0"/>
                   <a:t>erő</a:t>
                 </a:r>
-                <a:r>
-                  <a:rPr lang="hu-HU" dirty="0" smtClean="0"/>
-                  <a:t/>
-                </a:r>
                 <a:br>
                   <a:rPr lang="hu-HU" dirty="0" smtClean="0"/>
                 </a:br>
@@ -9219,11 +9332,7 @@
                 </a:pPr>
                 <a:r>
                   <a:rPr lang="hu-HU" i="1" smtClean="0"/>
-                  <a:t>Minta </a:t>
-                </a:r>
-                <a:r>
-                  <a:rPr lang="hu-HU" i="1" smtClean="0"/>
-                  <a:t>töltéssűrűsége </a:t>
+                  <a:t>Minta töltéssűrűsége </a:t>
                 </a:r>
                 <a:r>
                   <a:rPr lang="hu-HU" i="1" dirty="0" smtClean="0"/>
@@ -9248,7 +9357,7 @@
             </p:txBody>
           </p:sp>
         </mc:Choice>
-        <mc:Fallback>
+        <mc:Fallback xmlns="">
           <p:sp>
             <p:nvSpPr>
               <p:cNvPr id="4" name="Tartalom helye 3"/>
@@ -9454,7 +9563,7 @@
             </p:spPr>
             <p:txBody>
               <a:bodyPr>
-                <a:normAutofit/>
+                <a:normAutofit lnSpcReduction="10000"/>
               </a:bodyPr>
               <a:lstStyle/>
               <a:p>
@@ -9855,7 +9964,68 @@
                 </a:pPr>
                 <a:r>
                   <a:rPr lang="hu-HU" dirty="0" smtClean="0"/>
-                  <a:t>Csak a szomszédos pontokat veszem figyelembe </a:t>
+                  <a:t>Elektrosztatikus erő </a:t>
+                </a:r>
+                <a14:m>
+                  <m:oMath xmlns:m="http://schemas.openxmlformats.org/officeDocument/2006/math">
+                    <m:r>
+                      <a:rPr lang="hu-HU" b="0" i="1" smtClean="0">
+                        <a:latin typeface="Cambria Math" panose="02040503050406030204" pitchFamily="18" charset="0"/>
+                      </a:rPr>
+                      <m:t>1/</m:t>
+                    </m:r>
+                    <m:sSup>
+                      <m:sSupPr>
+                        <m:ctrlPr>
+                          <a:rPr lang="hu-HU" b="0" i="1" smtClean="0">
+                            <a:latin typeface="Cambria Math" panose="02040503050406030204" pitchFamily="18" charset="0"/>
+                          </a:rPr>
+                        </m:ctrlPr>
+                      </m:sSupPr>
+                      <m:e>
+                        <m:r>
+                          <a:rPr lang="hu-HU" b="0" i="1" smtClean="0">
+                            <a:latin typeface="Cambria Math" panose="02040503050406030204" pitchFamily="18" charset="0"/>
+                          </a:rPr>
+                          <m:t>𝑟</m:t>
+                        </m:r>
+                      </m:e>
+                      <m:sup>
+                        <m:r>
+                          <a:rPr lang="hu-HU" b="0" i="1" smtClean="0">
+                            <a:latin typeface="Cambria Math" panose="02040503050406030204" pitchFamily="18" charset="0"/>
+                          </a:rPr>
+                          <m:t>2</m:t>
+                        </m:r>
+                      </m:sup>
+                    </m:sSup>
+                  </m:oMath>
+                </a14:m>
+                <a:r>
+                  <a:rPr lang="hu-HU" dirty="0" smtClean="0"/>
+                  <a:t>  </a:t>
+                </a:r>
+                <a14:m>
+                  <m:oMath xmlns:m="http://schemas.openxmlformats.org/officeDocument/2006/math">
+                    <m:r>
+                      <a:rPr lang="hu-HU" b="0" i="1" smtClean="0">
+                        <a:latin typeface="Cambria Math" panose="02040503050406030204" pitchFamily="18" charset="0"/>
+                      </a:rPr>
+                      <m:t>→</m:t>
+                    </m:r>
+                  </m:oMath>
+                </a14:m>
+                <a:r>
+                  <a:rPr lang="hu-HU" dirty="0" smtClean="0"/>
+                  <a:t>  Csak </a:t>
+                </a:r>
+                <a:r>
+                  <a:rPr lang="hu-HU" dirty="0" smtClean="0"/>
+                  <a:t>a szomszédos pontokat </a:t>
+                </a:r>
+                <a:r>
+                  <a:rPr lang="hu-HU" dirty="0" smtClean="0"/>
+                  <a:t>veszem figyelembe </a:t>
                 </a:r>
                 <a14:m>
                   <m:oMath xmlns:m="http://schemas.openxmlformats.org/officeDocument/2006/math">
@@ -9933,7 +10103,7 @@
               <a:blipFill rotWithShape="0">
                 <a:blip r:embed="rId2"/>
                 <a:stretch>
-                  <a:fillRect l="-1939" t="-1385" b="-1385"/>
+                  <a:fillRect l="-1939" t="-2015" b="-504"/>
                 </a:stretch>
               </a:blipFill>
             </p:spPr>

--- a/mesterproba_cikk/prezi/bakro_mesterP2014.pptx
+++ b/mesterproba_cikk/prezi/bakro_mesterP2014.pptx
@@ -5,28 +5,29 @@
     <p:sldMasterId id="2147484074" r:id="rId1"/>
   </p:sldMasterIdLst>
   <p:notesMasterIdLst>
-    <p:notesMasterId r:id="rId18"/>
+    <p:notesMasterId r:id="rId19"/>
   </p:notesMasterIdLst>
   <p:handoutMasterIdLst>
-    <p:handoutMasterId r:id="rId19"/>
+    <p:handoutMasterId r:id="rId20"/>
   </p:handoutMasterIdLst>
   <p:sldIdLst>
     <p:sldId id="256" r:id="rId2"/>
-    <p:sldId id="257" r:id="rId3"/>
-    <p:sldId id="259" r:id="rId4"/>
-    <p:sldId id="270" r:id="rId5"/>
-    <p:sldId id="261" r:id="rId6"/>
-    <p:sldId id="262" r:id="rId7"/>
-    <p:sldId id="260" r:id="rId8"/>
-    <p:sldId id="263" r:id="rId9"/>
-    <p:sldId id="258" r:id="rId10"/>
-    <p:sldId id="264" r:id="rId11"/>
-    <p:sldId id="265" r:id="rId12"/>
-    <p:sldId id="266" r:id="rId13"/>
-    <p:sldId id="267" r:id="rId14"/>
-    <p:sldId id="268" r:id="rId15"/>
-    <p:sldId id="271" r:id="rId16"/>
-    <p:sldId id="269" r:id="rId17"/>
+    <p:sldId id="272" r:id="rId3"/>
+    <p:sldId id="257" r:id="rId4"/>
+    <p:sldId id="259" r:id="rId5"/>
+    <p:sldId id="270" r:id="rId6"/>
+    <p:sldId id="261" r:id="rId7"/>
+    <p:sldId id="262" r:id="rId8"/>
+    <p:sldId id="260" r:id="rId9"/>
+    <p:sldId id="263" r:id="rId10"/>
+    <p:sldId id="258" r:id="rId11"/>
+    <p:sldId id="264" r:id="rId12"/>
+    <p:sldId id="265" r:id="rId13"/>
+    <p:sldId id="266" r:id="rId14"/>
+    <p:sldId id="267" r:id="rId15"/>
+    <p:sldId id="268" r:id="rId16"/>
+    <p:sldId id="271" r:id="rId17"/>
+    <p:sldId id="269" r:id="rId18"/>
   </p:sldIdLst>
   <p:sldSz cx="9144000" cy="6858000" type="screen4x3"/>
   <p:notesSz cx="6858000" cy="9144000"/>
@@ -192,7 +193,7 @@
         </p:nvSpPr>
         <p:spPr>
           <a:xfrm>
-            <a:off x="0" y="0"/>
+            <a:off x="0" y="1"/>
             <a:ext cx="2971800" cy="458788"/>
           </a:xfrm>
           <a:prstGeom prst="rect">
@@ -223,7 +224,7 @@
         </p:nvSpPr>
         <p:spPr>
           <a:xfrm>
-            <a:off x="3884613" y="0"/>
+            <a:off x="3884613" y="1"/>
             <a:ext cx="2971800" cy="458788"/>
           </a:xfrm>
           <a:prstGeom prst="rect">
@@ -357,7 +358,7 @@
         </p:nvSpPr>
         <p:spPr>
           <a:xfrm>
-            <a:off x="0" y="0"/>
+            <a:off x="0" y="1"/>
             <a:ext cx="2971800" cy="458788"/>
           </a:xfrm>
           <a:prstGeom prst="rect">
@@ -388,7 +389,7 @@
         </p:nvSpPr>
         <p:spPr>
           <a:xfrm>
-            <a:off x="3884613" y="0"/>
+            <a:off x="3884613" y="1"/>
             <a:ext cx="2971800" cy="458788"/>
           </a:xfrm>
           <a:prstGeom prst="rect">
@@ -456,8 +457,8 @@
         </p:nvSpPr>
         <p:spPr>
           <a:xfrm>
-            <a:off x="685800" y="4400550"/>
-            <a:ext cx="5486400" cy="3600450"/>
+            <a:off x="685800" y="4400549"/>
+            <a:ext cx="5486400" cy="3600451"/>
           </a:xfrm>
           <a:prstGeom prst="rect">
             <a:avLst/>
@@ -4830,6 +4831,126 @@
               </a:ext>
             </a:extLst>
           </a:blip>
+          <a:srcRect t="3647" b="3647"/>
+          <a:stretch>
+            <a:fillRect/>
+          </a:stretch>
+        </p:blipFill>
+        <p:spPr>
+          <a:xfrm>
+            <a:off x="697835" y="0"/>
+            <a:ext cx="7748329" cy="6477000"/>
+          </a:xfrm>
+        </p:spPr>
+      </p:pic>
+      <p:pic>
+        <p:nvPicPr>
+          <p:cNvPr id="3" name="Kép 2"/>
+          <p:cNvPicPr>
+            <a:picLocks noChangeAspect="1"/>
+          </p:cNvPicPr>
+          <p:nvPr/>
+        </p:nvPicPr>
+        <p:blipFill>
+          <a:blip r:embed="rId3" cstate="print">
+            <a:extLst>
+              <a:ext uri="{28A0092B-C50C-407E-A947-70E740481C1C}">
+                <a14:useLocalDpi xmlns:a14="http://schemas.microsoft.com/office/drawing/2010/main" val="0"/>
+              </a:ext>
+            </a:extLst>
+          </a:blip>
+          <a:stretch>
+            <a:fillRect/>
+          </a:stretch>
+        </p:blipFill>
+        <p:spPr>
+          <a:xfrm>
+            <a:off x="0" y="-1"/>
+            <a:ext cx="1799537" cy="1620000"/>
+          </a:xfrm>
+          <a:prstGeom prst="rect">
+            <a:avLst/>
+          </a:prstGeom>
+        </p:spPr>
+      </p:pic>
+    </p:spTree>
+    <p:extLst>
+      <p:ext uri="{BB962C8B-B14F-4D97-AF65-F5344CB8AC3E}">
+        <p14:creationId xmlns:p14="http://schemas.microsoft.com/office/powerpoint/2010/main" val="1947265146"/>
+      </p:ext>
+    </p:extLst>
+  </p:cSld>
+  <p:clrMapOvr>
+    <a:masterClrMapping/>
+  </p:clrMapOvr>
+  <p:timing>
+    <p:tnLst>
+      <p:par>
+        <p:cTn id="1" dur="indefinite" restart="never" nodeType="tmRoot"/>
+      </p:par>
+    </p:tnLst>
+  </p:timing>
+</p:sld>
+</file>
+
+<file path=ppt/slides/slide11.xml><?xml version="1.0" encoding="utf-8"?>
+<p:sld xmlns:a="http://schemas.openxmlformats.org/drawingml/2006/main" xmlns:r="http://schemas.openxmlformats.org/officeDocument/2006/relationships" xmlns:p="http://schemas.openxmlformats.org/presentationml/2006/main">
+  <p:cSld>
+    <p:spTree>
+      <p:nvGrpSpPr>
+        <p:cNvPr id="1" name=""/>
+        <p:cNvGrpSpPr/>
+        <p:nvPr/>
+      </p:nvGrpSpPr>
+      <p:grpSpPr>
+        <a:xfrm>
+          <a:off x="0" y="0"/>
+          <a:ext cx="0" cy="0"/>
+          <a:chOff x="0" y="0"/>
+          <a:chExt cx="0" cy="0"/>
+        </a:xfrm>
+      </p:grpSpPr>
+      <p:sp>
+        <p:nvSpPr>
+          <p:cNvPr id="2" name="Dia számának helye 1"/>
+          <p:cNvSpPr>
+            <a:spLocks noGrp="1"/>
+          </p:cNvSpPr>
+          <p:nvPr>
+            <p:ph type="sldNum" sz="quarter" idx="12"/>
+          </p:nvPr>
+        </p:nvSpPr>
+        <p:spPr/>
+        <p:txBody>
+          <a:bodyPr/>
+          <a:lstStyle/>
+          <a:p>
+            <a:fld id="{4248F88C-BDD9-444B-BA83-2C9CB8C9E98D}" type="slidenum">
+              <a:rPr lang="hu-HU" smtClean="0"/>
+              <a:t>11</a:t>
+            </a:fld>
+            <a:endParaRPr lang="hu-HU"/>
+          </a:p>
+        </p:txBody>
+      </p:sp>
+      <p:pic>
+        <p:nvPicPr>
+          <p:cNvPr id="4" name="Kép helye 3"/>
+          <p:cNvPicPr>
+            <a:picLocks noGrp="1" noChangeAspect="1"/>
+          </p:cNvPicPr>
+          <p:nvPr>
+            <p:ph type="pic" sz="quarter" idx="13"/>
+          </p:nvPr>
+        </p:nvPicPr>
+        <p:blipFill>
+          <a:blip r:embed="rId2">
+            <a:extLst>
+              <a:ext uri="{28A0092B-C50C-407E-A947-70E740481C1C}">
+                <a14:useLocalDpi xmlns:a14="http://schemas.microsoft.com/office/drawing/2010/main" val="0"/>
+              </a:ext>
+            </a:extLst>
+          </a:blip>
           <a:stretch>
             <a:fillRect/>
           </a:stretch>
@@ -4891,7 +5012,7 @@
 </p:sld>
 </file>
 
-<file path=ppt/slides/slide11.xml><?xml version="1.0" encoding="utf-8"?>
+<file path=ppt/slides/slide12.xml><?xml version="1.0" encoding="utf-8"?>
 <p:sld xmlns:a="http://schemas.openxmlformats.org/drawingml/2006/main" xmlns:r="http://schemas.openxmlformats.org/officeDocument/2006/relationships" xmlns:p="http://schemas.openxmlformats.org/presentationml/2006/main">
   <p:cSld>
     <p:spTree>
@@ -4925,7 +5046,7 @@
           <a:p>
             <a:fld id="{4248F88C-BDD9-444B-BA83-2C9CB8C9E98D}" type="slidenum">
               <a:rPr lang="hu-HU" smtClean="0"/>
-              <a:t>11</a:t>
+              <a:t>12</a:t>
             </a:fld>
             <a:endParaRPr lang="hu-HU"/>
           </a:p>
@@ -5053,7 +5174,7 @@
 </p:sld>
 </file>
 
-<file path=ppt/slides/slide12.xml><?xml version="1.0" encoding="utf-8"?>
+<file path=ppt/slides/slide13.xml><?xml version="1.0" encoding="utf-8"?>
 <p:sld xmlns:a="http://schemas.openxmlformats.org/drawingml/2006/main" xmlns:r="http://schemas.openxmlformats.org/officeDocument/2006/relationships" xmlns:p="http://schemas.openxmlformats.org/presentationml/2006/main">
   <p:cSld>
     <p:spTree>
@@ -5197,7 +5318,7 @@
           <a:p>
             <a:fld id="{4248F88C-BDD9-444B-BA83-2C9CB8C9E98D}" type="slidenum">
               <a:rPr lang="hu-HU" smtClean="0"/>
-              <a:t>12</a:t>
+              <a:t>13</a:t>
             </a:fld>
             <a:endParaRPr lang="hu-HU"/>
           </a:p>
@@ -5765,7 +5886,7 @@
 </p:sld>
 </file>
 
-<file path=ppt/slides/slide13.xml><?xml version="1.0" encoding="utf-8"?>
+<file path=ppt/slides/slide14.xml><?xml version="1.0" encoding="utf-8"?>
 <p:sld xmlns:a="http://schemas.openxmlformats.org/drawingml/2006/main" xmlns:r="http://schemas.openxmlformats.org/officeDocument/2006/relationships" xmlns:p="http://schemas.openxmlformats.org/presentationml/2006/main">
   <p:cSld>
     <p:spTree>
@@ -5805,8 +5926,8 @@
           </a:p>
         </p:txBody>
       </p:sp>
-      <mc:AlternateContent xmlns:mc="http://schemas.openxmlformats.org/markup-compatibility/2006">
-        <mc:Choice xmlns:a14="http://schemas.microsoft.com/office/drawing/2010/main" Requires="a14">
+      <mc:AlternateContent xmlns:mc="http://schemas.openxmlformats.org/markup-compatibility/2006" xmlns:a14="http://schemas.microsoft.com/office/drawing/2010/main">
+        <mc:Choice Requires="a14">
           <p:sp>
             <p:nvSpPr>
               <p:cNvPr id="4" name="Tartalom helye 3"/>
@@ -5936,24 +6057,12 @@
                   <a:rPr lang="hu-HU" dirty="0" smtClean="0"/>
                   <a:t>Adott sor + alatta,felette lévő sor kerül a lokális </a:t>
                 </a:r>
-                <a:r>
-                  <a:rPr lang="hu-HU" dirty="0" smtClean="0"/>
-                  <a:t/>
-                </a:r>
                 <a:br>
                   <a:rPr lang="hu-HU" dirty="0" smtClean="0"/>
                 </a:br>
                 <a:r>
                   <a:rPr lang="hu-HU" dirty="0" smtClean="0"/>
-                  <a:t>memóriába </a:t>
-                </a:r>
-                <a:r>
-                  <a:rPr lang="hu-HU" dirty="0" smtClean="0"/>
-                  <a:t>a diszkretizálás </a:t>
-                </a:r>
-                <a:r>
-                  <a:rPr lang="hu-HU" dirty="0" smtClean="0"/>
-                  <a:t>végett</a:t>
+                  <a:t>memóriába a diszkretizálás végett</a:t>
                 </a:r>
               </a:p>
               <a:p>
@@ -5980,7 +6089,7 @@
             </p:txBody>
           </p:sp>
         </mc:Choice>
-        <mc:Fallback>
+        <mc:Fallback xmlns="">
           <p:sp>
             <p:nvSpPr>
               <p:cNvPr id="4" name="Tartalom helye 3"/>
@@ -6031,7 +6140,7 @@
           <a:p>
             <a:fld id="{4248F88C-BDD9-444B-BA83-2C9CB8C9E98D}" type="slidenum">
               <a:rPr lang="hu-HU" smtClean="0"/>
-              <a:t>13</a:t>
+              <a:t>14</a:t>
             </a:fld>
             <a:endParaRPr lang="hu-HU"/>
           </a:p>
@@ -6081,7 +6190,7 @@
 </p:sld>
 </file>
 
-<file path=ppt/slides/slide14.xml><?xml version="1.0" encoding="utf-8"?>
+<file path=ppt/slides/slide15.xml><?xml version="1.0" encoding="utf-8"?>
 <p:sld xmlns:a="http://schemas.openxmlformats.org/drawingml/2006/main" xmlns:r="http://schemas.openxmlformats.org/officeDocument/2006/relationships" xmlns:p="http://schemas.openxmlformats.org/presentationml/2006/main">
   <p:cSld>
     <p:spTree>
@@ -6138,7 +6247,7 @@
           <a:p>
             <a:fld id="{4248F88C-BDD9-444B-BA83-2C9CB8C9E98D}" type="slidenum">
               <a:rPr lang="hu-HU" smtClean="0"/>
-              <a:t>14</a:t>
+              <a:t>15</a:t>
             </a:fld>
             <a:endParaRPr lang="hu-HU"/>
           </a:p>
@@ -7633,7 +7742,7 @@
 </p:sld>
 </file>
 
-<file path=ppt/slides/slide15.xml><?xml version="1.0" encoding="utf-8"?>
+<file path=ppt/slides/slide16.xml><?xml version="1.0" encoding="utf-8"?>
 <p:sld xmlns:a="http://schemas.openxmlformats.org/drawingml/2006/main" xmlns:r="http://schemas.openxmlformats.org/officeDocument/2006/relationships" xmlns:p="http://schemas.openxmlformats.org/presentationml/2006/main">
   <p:cSld>
     <p:spTree>
@@ -7780,7 +7889,7 @@
           <a:p>
             <a:fld id="{4248F88C-BDD9-444B-BA83-2C9CB8C9E98D}" type="slidenum">
               <a:rPr lang="hu-HU" smtClean="0"/>
-              <a:t>15</a:t>
+              <a:t>16</a:t>
             </a:fld>
             <a:endParaRPr lang="hu-HU"/>
           </a:p>
@@ -7806,7 +7915,7 @@
 </p:sld>
 </file>
 
-<file path=ppt/slides/slide16.xml><?xml version="1.0" encoding="utf-8"?>
+<file path=ppt/slides/slide17.xml><?xml version="1.0" encoding="utf-8"?>
 <p:sld xmlns:a="http://schemas.openxmlformats.org/drawingml/2006/main" xmlns:r="http://schemas.openxmlformats.org/officeDocument/2006/relationships" xmlns:p="http://schemas.openxmlformats.org/presentationml/2006/main">
   <p:cSld>
     <p:spTree>
@@ -7866,7 +7975,7 @@
           <a:p>
             <a:fld id="{4248F88C-BDD9-444B-BA83-2C9CB8C9E98D}" type="slidenum">
               <a:rPr lang="hu-HU" smtClean="0"/>
-              <a:t>16</a:t>
+              <a:t>17</a:t>
             </a:fld>
             <a:endParaRPr lang="hu-HU"/>
           </a:p>
@@ -7911,6 +8020,195 @@
       </p:grpSpPr>
       <p:sp>
         <p:nvSpPr>
+          <p:cNvPr id="2" name="Cím 1"/>
+          <p:cNvSpPr>
+            <a:spLocks noGrp="1"/>
+          </p:cNvSpPr>
+          <p:nvPr>
+            <p:ph type="title"/>
+          </p:nvPr>
+        </p:nvSpPr>
+        <p:spPr/>
+        <p:txBody>
+          <a:bodyPr/>
+          <a:lstStyle/>
+          <a:p>
+            <a:r>
+              <a:rPr lang="hu-HU" dirty="0" smtClean="0"/>
+              <a:t>Áttekintés</a:t>
+            </a:r>
+            <a:endParaRPr lang="hu-HU" dirty="0"/>
+          </a:p>
+        </p:txBody>
+      </p:sp>
+      <p:sp>
+        <p:nvSpPr>
+          <p:cNvPr id="3" name="Tartalom helye 2"/>
+          <p:cNvSpPr>
+            <a:spLocks noGrp="1"/>
+          </p:cNvSpPr>
+          <p:nvPr>
+            <p:ph idx="1"/>
+          </p:nvPr>
+        </p:nvSpPr>
+        <p:spPr/>
+        <p:txBody>
+          <a:bodyPr>
+            <a:normAutofit/>
+          </a:bodyPr>
+          <a:lstStyle/>
+          <a:p>
+            <a:pPr>
+              <a:buFont typeface="Arial" panose="020B0604020202020204" pitchFamily="34" charset="0"/>
+              <a:buChar char="•"/>
+            </a:pPr>
+            <a:r>
+              <a:rPr lang="hu-HU" sz="2400" dirty="0" smtClean="0"/>
+              <a:t>Az Atomerő mikroszkóp bemutatása</a:t>
+            </a:r>
+          </a:p>
+          <a:p>
+            <a:pPr>
+              <a:buFont typeface="Arial" panose="020B0604020202020204" pitchFamily="34" charset="0"/>
+              <a:buChar char="•"/>
+            </a:pPr>
+            <a:r>
+              <a:rPr lang="hu-HU" sz="2400" dirty="0" smtClean="0"/>
+              <a:t>Minta töltéssűrűségének mérése</a:t>
+            </a:r>
+          </a:p>
+          <a:p>
+            <a:pPr>
+              <a:buFont typeface="Arial" panose="020B0604020202020204" pitchFamily="34" charset="0"/>
+              <a:buChar char="•"/>
+            </a:pPr>
+            <a:r>
+              <a:rPr lang="hu-HU" sz="2400" dirty="0" smtClean="0"/>
+              <a:t>Kritikus a kapacitás értéke</a:t>
+            </a:r>
+          </a:p>
+          <a:p>
+            <a:pPr>
+              <a:buFont typeface="Arial" panose="020B0604020202020204" pitchFamily="34" charset="0"/>
+              <a:buChar char="•"/>
+            </a:pPr>
+            <a:r>
+              <a:rPr lang="hu-HU" sz="2400" dirty="0" smtClean="0"/>
+              <a:t>Szimuláció matematikai formalizálása</a:t>
+            </a:r>
+          </a:p>
+          <a:p>
+            <a:pPr>
+              <a:buFont typeface="Arial" panose="020B0604020202020204" pitchFamily="34" charset="0"/>
+              <a:buChar char="•"/>
+            </a:pPr>
+            <a:r>
+              <a:rPr lang="hu-HU" sz="2400" dirty="0" smtClean="0"/>
+              <a:t>Az </a:t>
+            </a:r>
+            <a:r>
+              <a:rPr lang="hu-HU" sz="2400" dirty="0" err="1" smtClean="0"/>
+              <a:t>OpenCL</a:t>
+            </a:r>
+            <a:r>
+              <a:rPr lang="hu-HU" sz="2400" dirty="0" smtClean="0"/>
+              <a:t> keretrendszer architektúrája</a:t>
+            </a:r>
+          </a:p>
+          <a:p>
+            <a:pPr>
+              <a:buFont typeface="Arial" panose="020B0604020202020204" pitchFamily="34" charset="0"/>
+              <a:buChar char="•"/>
+            </a:pPr>
+            <a:r>
+              <a:rPr lang="hu-HU" sz="2400" dirty="0" smtClean="0"/>
+              <a:t>Szimulátor megépítése során figyelembe vett megfontolások</a:t>
+            </a:r>
+          </a:p>
+          <a:p>
+            <a:pPr>
+              <a:buFont typeface="Arial" panose="020B0604020202020204" pitchFamily="34" charset="0"/>
+              <a:buChar char="•"/>
+            </a:pPr>
+            <a:r>
+              <a:rPr lang="hu-HU" sz="2400" dirty="0" smtClean="0"/>
+              <a:t>Eredmények</a:t>
+            </a:r>
+          </a:p>
+          <a:p>
+            <a:pPr>
+              <a:buFont typeface="Arial" panose="020B0604020202020204" pitchFamily="34" charset="0"/>
+              <a:buChar char="•"/>
+            </a:pPr>
+            <a:r>
+              <a:rPr lang="hu-HU" sz="2400" dirty="0" smtClean="0"/>
+              <a:t>További feladatok</a:t>
+            </a:r>
+          </a:p>
+          <a:p>
+            <a:pPr>
+              <a:buFont typeface="Arial" panose="020B0604020202020204" pitchFamily="34" charset="0"/>
+              <a:buChar char="•"/>
+            </a:pPr>
+            <a:endParaRPr lang="hu-HU" sz="2400" dirty="0"/>
+          </a:p>
+        </p:txBody>
+      </p:sp>
+      <p:sp>
+        <p:nvSpPr>
+          <p:cNvPr id="4" name="Dia számának helye 3"/>
+          <p:cNvSpPr>
+            <a:spLocks noGrp="1"/>
+          </p:cNvSpPr>
+          <p:nvPr>
+            <p:ph type="sldNum" sz="quarter" idx="12"/>
+          </p:nvPr>
+        </p:nvSpPr>
+        <p:spPr/>
+        <p:txBody>
+          <a:bodyPr/>
+          <a:lstStyle/>
+          <a:p>
+            <a:fld id="{4248F88C-BDD9-444B-BA83-2C9CB8C9E98D}" type="slidenum">
+              <a:rPr lang="hu-HU" smtClean="0"/>
+              <a:t>2</a:t>
+            </a:fld>
+            <a:endParaRPr lang="hu-HU"/>
+          </a:p>
+        </p:txBody>
+      </p:sp>
+    </p:spTree>
+    <p:extLst>
+      <p:ext uri="{BB962C8B-B14F-4D97-AF65-F5344CB8AC3E}">
+        <p14:creationId xmlns:p14="http://schemas.microsoft.com/office/powerpoint/2010/main" val="2725884012"/>
+      </p:ext>
+    </p:extLst>
+  </p:cSld>
+  <p:clrMapOvr>
+    <a:masterClrMapping/>
+  </p:clrMapOvr>
+</p:sld>
+</file>
+
+<file path=ppt/slides/slide3.xml><?xml version="1.0" encoding="utf-8"?>
+<p:sld xmlns:a="http://schemas.openxmlformats.org/drawingml/2006/main" xmlns:r="http://schemas.openxmlformats.org/officeDocument/2006/relationships" xmlns:p="http://schemas.openxmlformats.org/presentationml/2006/main">
+  <p:cSld>
+    <p:spTree>
+      <p:nvGrpSpPr>
+        <p:cNvPr id="1" name=""/>
+        <p:cNvGrpSpPr/>
+        <p:nvPr/>
+      </p:nvGrpSpPr>
+      <p:grpSpPr>
+        <a:xfrm>
+          <a:off x="0" y="0"/>
+          <a:ext cx="0" cy="0"/>
+          <a:chOff x="0" y="0"/>
+          <a:chExt cx="0" cy="0"/>
+        </a:xfrm>
+      </p:grpSpPr>
+      <p:sp>
+        <p:nvSpPr>
           <p:cNvPr id="6" name="Cím 5"/>
           <p:cNvSpPr>
             <a:spLocks noGrp="1"/>
@@ -8034,7 +8332,7 @@
           <a:p>
             <a:fld id="{4248F88C-BDD9-444B-BA83-2C9CB8C9E98D}" type="slidenum">
               <a:rPr lang="hu-HU" smtClean="0"/>
-              <a:t>2</a:t>
+              <a:t>3</a:t>
             </a:fld>
             <a:endParaRPr lang="hu-HU"/>
           </a:p>
@@ -8078,176 +8376,6 @@
     <p:extLst>
       <p:ext uri="{BB962C8B-B14F-4D97-AF65-F5344CB8AC3E}">
         <p14:creationId xmlns:p14="http://schemas.microsoft.com/office/powerpoint/2010/main" val="1642133895"/>
-      </p:ext>
-    </p:extLst>
-  </p:cSld>
-  <p:clrMapOvr>
-    <a:masterClrMapping/>
-  </p:clrMapOvr>
-  <p:timing>
-    <p:tnLst>
-      <p:par>
-        <p:cTn id="1" dur="indefinite" restart="never" nodeType="tmRoot"/>
-      </p:par>
-    </p:tnLst>
-  </p:timing>
-</p:sld>
-</file>
-
-<file path=ppt/slides/slide3.xml><?xml version="1.0" encoding="utf-8"?>
-<p:sld xmlns:a="http://schemas.openxmlformats.org/drawingml/2006/main" xmlns:r="http://schemas.openxmlformats.org/officeDocument/2006/relationships" xmlns:p="http://schemas.openxmlformats.org/presentationml/2006/main">
-  <p:cSld>
-    <p:spTree>
-      <p:nvGrpSpPr>
-        <p:cNvPr id="1" name=""/>
-        <p:cNvGrpSpPr/>
-        <p:nvPr/>
-      </p:nvGrpSpPr>
-      <p:grpSpPr>
-        <a:xfrm>
-          <a:off x="0" y="0"/>
-          <a:ext cx="0" cy="0"/>
-          <a:chOff x="0" y="0"/>
-          <a:chExt cx="0" cy="0"/>
-        </a:xfrm>
-      </p:grpSpPr>
-      <p:sp>
-        <p:nvSpPr>
-          <p:cNvPr id="6" name="Cím 5"/>
-          <p:cNvSpPr>
-            <a:spLocks noGrp="1"/>
-          </p:cNvSpPr>
-          <p:nvPr>
-            <p:ph type="title"/>
-          </p:nvPr>
-        </p:nvSpPr>
-        <p:spPr/>
-        <p:txBody>
-          <a:bodyPr>
-            <a:normAutofit fontScale="90000"/>
-          </a:bodyPr>
-          <a:lstStyle/>
-          <a:p>
-            <a:r>
-              <a:rPr lang="hu-HU" dirty="0" smtClean="0"/>
-              <a:t>Töltéssűrűség mérése</a:t>
-            </a:r>
-            <a:br>
-              <a:rPr lang="hu-HU" dirty="0" smtClean="0"/>
-            </a:br>
-            <a:r>
-              <a:rPr lang="hu-HU" dirty="0" err="1" smtClean="0"/>
-              <a:t>Dual-scan</a:t>
-            </a:r>
-            <a:r>
-              <a:rPr lang="hu-HU" dirty="0" smtClean="0"/>
-              <a:t> metódussal</a:t>
-            </a:r>
-            <a:endParaRPr lang="hu-HU" dirty="0"/>
-          </a:p>
-        </p:txBody>
-      </p:sp>
-      <p:pic>
-        <p:nvPicPr>
-          <p:cNvPr id="108" name="Tartalom helye 107"/>
-          <p:cNvPicPr>
-            <a:picLocks noGrp="1" noChangeAspect="1"/>
-          </p:cNvPicPr>
-          <p:nvPr>
-            <p:ph idx="1"/>
-          </p:nvPr>
-        </p:nvPicPr>
-        <p:blipFill>
-          <a:blip r:embed="rId2" cstate="print">
-            <a:extLst>
-              <a:ext uri="{28A0092B-C50C-407E-A947-70E740481C1C}">
-                <a14:useLocalDpi xmlns:a14="http://schemas.microsoft.com/office/drawing/2010/main" val="0"/>
-              </a:ext>
-            </a:extLst>
-          </a:blip>
-          <a:stretch>
-            <a:fillRect/>
-          </a:stretch>
-        </p:blipFill>
-        <p:spPr>
-          <a:xfrm>
-            <a:off x="4002588" y="1632857"/>
-            <a:ext cx="5018584" cy="3420000"/>
-          </a:xfrm>
-        </p:spPr>
-      </p:pic>
-      <p:sp>
-        <p:nvSpPr>
-          <p:cNvPr id="107" name="Szöveg helye 106"/>
-          <p:cNvSpPr>
-            <a:spLocks noGrp="1"/>
-          </p:cNvSpPr>
-          <p:nvPr>
-            <p:ph type="body" sz="half" idx="2"/>
-          </p:nvPr>
-        </p:nvSpPr>
-        <p:spPr>
-          <a:xfrm>
-            <a:off x="150920" y="2341985"/>
-            <a:ext cx="3515558" cy="3963220"/>
-          </a:xfrm>
-        </p:spPr>
-        <p:txBody>
-          <a:bodyPr/>
-          <a:lstStyle/>
-          <a:p>
-            <a:pPr marL="457200" indent="-457200">
-              <a:buClr>
-                <a:schemeClr val="bg1"/>
-              </a:buClr>
-              <a:buFont typeface="+mj-lt"/>
-              <a:buAutoNum type="arabicPeriod"/>
-            </a:pPr>
-            <a:r>
-              <a:rPr lang="hu-HU" dirty="0" smtClean="0"/>
-              <a:t>Felületi topológia mérése</a:t>
-            </a:r>
-            <a:br>
-              <a:rPr lang="hu-HU" dirty="0" smtClean="0"/>
-            </a:br>
-            <a:r>
-              <a:rPr lang="hu-HU" dirty="0" smtClean="0"/>
-              <a:t>kontakt </a:t>
-            </a:r>
-            <a:r>
-              <a:rPr lang="hu-HU" dirty="0"/>
-              <a:t>módban</a:t>
-            </a:r>
-          </a:p>
-        </p:txBody>
-      </p:sp>
-      <p:sp>
-        <p:nvSpPr>
-          <p:cNvPr id="5" name="Dia számának helye 4"/>
-          <p:cNvSpPr>
-            <a:spLocks noGrp="1"/>
-          </p:cNvSpPr>
-          <p:nvPr>
-            <p:ph type="sldNum" sz="quarter" idx="12"/>
-          </p:nvPr>
-        </p:nvSpPr>
-        <p:spPr/>
-        <p:txBody>
-          <a:bodyPr/>
-          <a:lstStyle/>
-          <a:p>
-            <a:fld id="{4248F88C-BDD9-444B-BA83-2C9CB8C9E98D}" type="slidenum">
-              <a:rPr lang="hu-HU" smtClean="0"/>
-              <a:t>3</a:t>
-            </a:fld>
-            <a:endParaRPr lang="hu-HU"/>
-          </a:p>
-        </p:txBody>
-      </p:sp>
-    </p:spTree>
-    <p:extLst>
-      <p:ext uri="{BB962C8B-B14F-4D97-AF65-F5344CB8AC3E}">
-        <p14:creationId xmlns:p14="http://schemas.microsoft.com/office/powerpoint/2010/main" val="1185370238"/>
       </p:ext>
     </p:extLst>
   </p:cSld>
@@ -8283,7 +8411,7 @@
       </p:grpSpPr>
       <p:sp>
         <p:nvSpPr>
-          <p:cNvPr id="7" name="Cím 6"/>
+          <p:cNvPr id="6" name="Cím 5"/>
           <p:cNvSpPr>
             <a:spLocks noGrp="1"/>
           </p:cNvSpPr>
@@ -8293,12 +8421,25 @@
         </p:nvSpPr>
         <p:spPr/>
         <p:txBody>
-          <a:bodyPr/>
+          <a:bodyPr>
+            <a:normAutofit fontScale="90000"/>
+          </a:bodyPr>
           <a:lstStyle/>
           <a:p>
             <a:r>
               <a:rPr lang="hu-HU" dirty="0" smtClean="0"/>
-              <a:t>Felületi topológia</a:t>
+              <a:t>Töltéssűrűség mérése</a:t>
+            </a:r>
+            <a:br>
+              <a:rPr lang="hu-HU" dirty="0" smtClean="0"/>
+            </a:br>
+            <a:r>
+              <a:rPr lang="hu-HU" dirty="0" err="1" smtClean="0"/>
+              <a:t>Dual-scan</a:t>
+            </a:r>
+            <a:r>
+              <a:rPr lang="hu-HU" dirty="0" smtClean="0"/>
+              <a:t> metódussal</a:t>
             </a:r>
             <a:endParaRPr lang="hu-HU" dirty="0"/>
           </a:p>
@@ -8306,12 +8447,12 @@
       </p:sp>
       <p:pic>
         <p:nvPicPr>
-          <p:cNvPr id="10" name="Tartalom helye 9"/>
+          <p:cNvPr id="108" name="Tartalom helye 107"/>
           <p:cNvPicPr>
             <a:picLocks noGrp="1" noChangeAspect="1"/>
           </p:cNvPicPr>
           <p:nvPr>
-            <p:ph sz="half" idx="1"/>
+            <p:ph idx="1"/>
           </p:nvPr>
         </p:nvPicPr>
         <p:blipFill>
@@ -8328,40 +8469,56 @@
         </p:blipFill>
         <p:spPr>
           <a:xfrm>
-            <a:off x="822325" y="2329463"/>
-            <a:ext cx="3703638" cy="3499237"/>
+            <a:off x="4002588" y="1632857"/>
+            <a:ext cx="5018584" cy="3420000"/>
           </a:xfrm>
         </p:spPr>
       </p:pic>
-      <p:pic>
-        <p:nvPicPr>
-          <p:cNvPr id="11" name="Tartalom helye 10"/>
-          <p:cNvPicPr>
-            <a:picLocks noGrp="1" noChangeAspect="1"/>
-          </p:cNvPicPr>
-          <p:nvPr>
-            <p:ph sz="half" idx="2"/>
-          </p:nvPr>
-        </p:nvPicPr>
-        <p:blipFill>
-          <a:blip r:embed="rId3" cstate="print">
-            <a:extLst>
-              <a:ext uri="{28A0092B-C50C-407E-A947-70E740481C1C}">
-                <a14:useLocalDpi xmlns:a14="http://schemas.microsoft.com/office/drawing/2010/main" val="0"/>
-              </a:ext>
-            </a:extLst>
-          </a:blip>
-          <a:stretch>
-            <a:fillRect/>
-          </a:stretch>
-        </p:blipFill>
+      <p:sp>
+        <p:nvSpPr>
+          <p:cNvPr id="107" name="Szöveg helye 106"/>
+          <p:cNvSpPr>
+            <a:spLocks noGrp="1"/>
+          </p:cNvSpPr>
+          <p:nvPr>
+            <p:ph type="body" sz="half" idx="2"/>
+          </p:nvPr>
+        </p:nvSpPr>
         <p:spPr>
           <a:xfrm>
-            <a:off x="4664075" y="2330213"/>
-            <a:ext cx="3702050" cy="3497737"/>
+            <a:off x="150920" y="2341985"/>
+            <a:ext cx="3515558" cy="3963220"/>
           </a:xfrm>
         </p:spPr>
-      </p:pic>
+        <p:txBody>
+          <a:bodyPr/>
+          <a:lstStyle/>
+          <a:p>
+            <a:pPr marL="457200" indent="-457200">
+              <a:buClr>
+                <a:schemeClr val="bg1"/>
+              </a:buClr>
+              <a:buFont typeface="+mj-lt"/>
+              <a:buAutoNum type="arabicPeriod"/>
+            </a:pPr>
+            <a:r>
+              <a:rPr lang="hu-HU" dirty="0" smtClean="0"/>
+              <a:t>Felületi topológia mérése</a:t>
+            </a:r>
+            <a:br>
+              <a:rPr lang="hu-HU" dirty="0" smtClean="0"/>
+            </a:br>
+            <a:r>
+              <a:rPr lang="hu-HU" dirty="0" smtClean="0"/>
+              <a:t>kontakt </a:t>
+            </a:r>
+            <a:r>
+              <a:rPr lang="hu-HU" dirty="0"/>
+              <a:t>módban</a:t>
+            </a:r>
+          </a:p>
+        </p:txBody>
+      </p:sp>
       <p:sp>
         <p:nvSpPr>
           <p:cNvPr id="5" name="Dia számának helye 4"/>
@@ -8385,54 +8542,10 @@
           </a:p>
         </p:txBody>
       </p:sp>
-      <p:sp>
-        <p:nvSpPr>
-          <p:cNvPr id="12" name="Téglalap 11"/>
-          <p:cNvSpPr/>
-          <p:nvPr/>
-        </p:nvSpPr>
-        <p:spPr>
-          <a:xfrm>
-            <a:off x="1474237" y="2743200"/>
-            <a:ext cx="625151" cy="597159"/>
-          </a:xfrm>
-          <a:prstGeom prst="rect">
-            <a:avLst/>
-          </a:prstGeom>
-          <a:noFill/>
-          <a:ln>
-            <a:solidFill>
-              <a:srgbClr val="FF0000"/>
-            </a:solidFill>
-          </a:ln>
-        </p:spPr>
-        <p:style>
-          <a:lnRef idx="2">
-            <a:schemeClr val="dk1"/>
-          </a:lnRef>
-          <a:fillRef idx="1">
-            <a:schemeClr val="lt1"/>
-          </a:fillRef>
-          <a:effectRef idx="0">
-            <a:schemeClr val="dk1"/>
-          </a:effectRef>
-          <a:fontRef idx="minor">
-            <a:schemeClr val="dk1"/>
-          </a:fontRef>
-        </p:style>
-        <p:txBody>
-          <a:bodyPr rtlCol="0" anchor="ctr"/>
-          <a:lstStyle/>
-          <a:p>
-            <a:pPr algn="ctr"/>
-            <a:endParaRPr lang="hu-HU"/>
-          </a:p>
-        </p:txBody>
-      </p:sp>
     </p:spTree>
     <p:extLst>
       <p:ext uri="{BB962C8B-B14F-4D97-AF65-F5344CB8AC3E}">
-        <p14:creationId xmlns:p14="http://schemas.microsoft.com/office/powerpoint/2010/main" val="3832513343"/>
+        <p14:creationId xmlns:p14="http://schemas.microsoft.com/office/powerpoint/2010/main" val="1185370238"/>
       </p:ext>
     </p:extLst>
   </p:cSld>
@@ -8468,6 +8581,191 @@
       </p:grpSpPr>
       <p:sp>
         <p:nvSpPr>
+          <p:cNvPr id="7" name="Cím 6"/>
+          <p:cNvSpPr>
+            <a:spLocks noGrp="1"/>
+          </p:cNvSpPr>
+          <p:nvPr>
+            <p:ph type="title"/>
+          </p:nvPr>
+        </p:nvSpPr>
+        <p:spPr/>
+        <p:txBody>
+          <a:bodyPr/>
+          <a:lstStyle/>
+          <a:p>
+            <a:r>
+              <a:rPr lang="hu-HU" dirty="0" smtClean="0"/>
+              <a:t>Felületi topológia</a:t>
+            </a:r>
+            <a:endParaRPr lang="hu-HU" dirty="0"/>
+          </a:p>
+        </p:txBody>
+      </p:sp>
+      <p:pic>
+        <p:nvPicPr>
+          <p:cNvPr id="10" name="Tartalom helye 9"/>
+          <p:cNvPicPr>
+            <a:picLocks noGrp="1" noChangeAspect="1"/>
+          </p:cNvPicPr>
+          <p:nvPr>
+            <p:ph sz="half" idx="1"/>
+          </p:nvPr>
+        </p:nvPicPr>
+        <p:blipFill>
+          <a:blip r:embed="rId2" cstate="print">
+            <a:extLst>
+              <a:ext uri="{28A0092B-C50C-407E-A947-70E740481C1C}">
+                <a14:useLocalDpi xmlns:a14="http://schemas.microsoft.com/office/drawing/2010/main" val="0"/>
+              </a:ext>
+            </a:extLst>
+          </a:blip>
+          <a:stretch>
+            <a:fillRect/>
+          </a:stretch>
+        </p:blipFill>
+        <p:spPr>
+          <a:xfrm>
+            <a:off x="822325" y="2329463"/>
+            <a:ext cx="3703638" cy="3499237"/>
+          </a:xfrm>
+        </p:spPr>
+      </p:pic>
+      <p:pic>
+        <p:nvPicPr>
+          <p:cNvPr id="11" name="Tartalom helye 10"/>
+          <p:cNvPicPr>
+            <a:picLocks noGrp="1" noChangeAspect="1"/>
+          </p:cNvPicPr>
+          <p:nvPr>
+            <p:ph sz="half" idx="2"/>
+          </p:nvPr>
+        </p:nvPicPr>
+        <p:blipFill>
+          <a:blip r:embed="rId3" cstate="print">
+            <a:extLst>
+              <a:ext uri="{28A0092B-C50C-407E-A947-70E740481C1C}">
+                <a14:useLocalDpi xmlns:a14="http://schemas.microsoft.com/office/drawing/2010/main" val="0"/>
+              </a:ext>
+            </a:extLst>
+          </a:blip>
+          <a:stretch>
+            <a:fillRect/>
+          </a:stretch>
+        </p:blipFill>
+        <p:spPr>
+          <a:xfrm>
+            <a:off x="4664075" y="2330213"/>
+            <a:ext cx="3702050" cy="3497737"/>
+          </a:xfrm>
+        </p:spPr>
+      </p:pic>
+      <p:sp>
+        <p:nvSpPr>
+          <p:cNvPr id="5" name="Dia számának helye 4"/>
+          <p:cNvSpPr>
+            <a:spLocks noGrp="1"/>
+          </p:cNvSpPr>
+          <p:nvPr>
+            <p:ph type="sldNum" sz="quarter" idx="12"/>
+          </p:nvPr>
+        </p:nvSpPr>
+        <p:spPr/>
+        <p:txBody>
+          <a:bodyPr/>
+          <a:lstStyle/>
+          <a:p>
+            <a:fld id="{4248F88C-BDD9-444B-BA83-2C9CB8C9E98D}" type="slidenum">
+              <a:rPr lang="hu-HU" smtClean="0"/>
+              <a:t>5</a:t>
+            </a:fld>
+            <a:endParaRPr lang="hu-HU"/>
+          </a:p>
+        </p:txBody>
+      </p:sp>
+      <p:sp>
+        <p:nvSpPr>
+          <p:cNvPr id="12" name="Téglalap 11"/>
+          <p:cNvSpPr/>
+          <p:nvPr/>
+        </p:nvSpPr>
+        <p:spPr>
+          <a:xfrm>
+            <a:off x="1474237" y="2743200"/>
+            <a:ext cx="625151" cy="597159"/>
+          </a:xfrm>
+          <a:prstGeom prst="rect">
+            <a:avLst/>
+          </a:prstGeom>
+          <a:noFill/>
+          <a:ln>
+            <a:solidFill>
+              <a:srgbClr val="FF0000"/>
+            </a:solidFill>
+          </a:ln>
+        </p:spPr>
+        <p:style>
+          <a:lnRef idx="2">
+            <a:schemeClr val="dk1"/>
+          </a:lnRef>
+          <a:fillRef idx="1">
+            <a:schemeClr val="lt1"/>
+          </a:fillRef>
+          <a:effectRef idx="0">
+            <a:schemeClr val="dk1"/>
+          </a:effectRef>
+          <a:fontRef idx="minor">
+            <a:schemeClr val="dk1"/>
+          </a:fontRef>
+        </p:style>
+        <p:txBody>
+          <a:bodyPr rtlCol="0" anchor="ctr"/>
+          <a:lstStyle/>
+          <a:p>
+            <a:pPr algn="ctr"/>
+            <a:endParaRPr lang="hu-HU"/>
+          </a:p>
+        </p:txBody>
+      </p:sp>
+    </p:spTree>
+    <p:extLst>
+      <p:ext uri="{BB962C8B-B14F-4D97-AF65-F5344CB8AC3E}">
+        <p14:creationId xmlns:p14="http://schemas.microsoft.com/office/powerpoint/2010/main" val="3832513343"/>
+      </p:ext>
+    </p:extLst>
+  </p:cSld>
+  <p:clrMapOvr>
+    <a:masterClrMapping/>
+  </p:clrMapOvr>
+  <p:timing>
+    <p:tnLst>
+      <p:par>
+        <p:cTn id="1" dur="indefinite" restart="never" nodeType="tmRoot"/>
+      </p:par>
+    </p:tnLst>
+  </p:timing>
+</p:sld>
+</file>
+
+<file path=ppt/slides/slide6.xml><?xml version="1.0" encoding="utf-8"?>
+<p:sld xmlns:a="http://schemas.openxmlformats.org/drawingml/2006/main" xmlns:r="http://schemas.openxmlformats.org/officeDocument/2006/relationships" xmlns:p="http://schemas.openxmlformats.org/presentationml/2006/main">
+  <p:cSld>
+    <p:spTree>
+      <p:nvGrpSpPr>
+        <p:cNvPr id="1" name=""/>
+        <p:cNvGrpSpPr/>
+        <p:nvPr/>
+      </p:nvGrpSpPr>
+      <p:grpSpPr>
+        <a:xfrm>
+          <a:off x="0" y="0"/>
+          <a:ext cx="0" cy="0"/>
+          <a:chOff x="0" y="0"/>
+          <a:chExt cx="0" cy="0"/>
+        </a:xfrm>
+      </p:grpSpPr>
+      <p:sp>
+        <p:nvSpPr>
           <p:cNvPr id="6" name="Cím 5"/>
           <p:cNvSpPr>
             <a:spLocks noGrp="1"/>
@@ -8601,7 +8899,7 @@
           <a:p>
             <a:fld id="{4248F88C-BDD9-444B-BA83-2C9CB8C9E98D}" type="slidenum">
               <a:rPr lang="hu-HU" smtClean="0"/>
-              <a:t>5</a:t>
+              <a:t>6</a:t>
             </a:fld>
             <a:endParaRPr lang="hu-HU"/>
           </a:p>
@@ -8656,7 +8954,7 @@
 </p:sld>
 </file>
 
-<file path=ppt/slides/slide6.xml><?xml version="1.0" encoding="utf-8"?>
+<file path=ppt/slides/slide7.xml><?xml version="1.0" encoding="utf-8"?>
 <p:sld xmlns:a="http://schemas.openxmlformats.org/drawingml/2006/main" xmlns:r="http://schemas.openxmlformats.org/officeDocument/2006/relationships" xmlns:p="http://schemas.openxmlformats.org/presentationml/2006/main">
   <p:cSld>
     <p:spTree>
@@ -8747,7 +9045,7 @@
           <a:p>
             <a:fld id="{4248F88C-BDD9-444B-BA83-2C9CB8C9E98D}" type="slidenum">
               <a:rPr lang="hu-HU" smtClean="0"/>
-              <a:t>6</a:t>
+              <a:t>7</a:t>
             </a:fld>
             <a:endParaRPr lang="hu-HU"/>
           </a:p>
@@ -9021,7 +9319,7 @@
 </p:sld>
 </file>
 
-<file path=ppt/slides/slide7.xml><?xml version="1.0" encoding="utf-8"?>
+<file path=ppt/slides/slide8.xml><?xml version="1.0" encoding="utf-8"?>
 <p:sld xmlns:a="http://schemas.openxmlformats.org/drawingml/2006/main" xmlns:r="http://schemas.openxmlformats.org/officeDocument/2006/relationships" xmlns:p="http://schemas.openxmlformats.org/presentationml/2006/main">
   <p:cSld>
     <p:spTree>
@@ -9169,7 +9467,7 @@
           <a:p>
             <a:fld id="{4248F88C-BDD9-444B-BA83-2C9CB8C9E98D}" type="slidenum">
               <a:rPr lang="hu-HU" smtClean="0"/>
-              <a:t>7</a:t>
+              <a:t>8</a:t>
             </a:fld>
             <a:endParaRPr lang="hu-HU"/>
           </a:p>
@@ -9503,7 +9801,7 @@
 </p:sld>
 </file>
 
-<file path=ppt/slides/slide8.xml><?xml version="1.0" encoding="utf-8"?>
+<file path=ppt/slides/slide9.xml><?xml version="1.0" encoding="utf-8"?>
 <p:sld xmlns:a="http://schemas.openxmlformats.org/drawingml/2006/main" xmlns:r="http://schemas.openxmlformats.org/officeDocument/2006/relationships" xmlns:p="http://schemas.openxmlformats.org/presentationml/2006/main">
   <p:cSld>
     <p:spTree>
@@ -9543,8 +9841,8 @@
           </a:p>
         </p:txBody>
       </p:sp>
-      <mc:AlternateContent xmlns:mc="http://schemas.openxmlformats.org/markup-compatibility/2006">
-        <mc:Choice xmlns:a14="http://schemas.microsoft.com/office/drawing/2010/main" Requires="a14">
+      <mc:AlternateContent xmlns:mc="http://schemas.openxmlformats.org/markup-compatibility/2006" xmlns:a14="http://schemas.microsoft.com/office/drawing/2010/main">
+        <mc:Choice Requires="a14">
           <p:sp>
             <p:nvSpPr>
               <p:cNvPr id="5" name="Tartalom helye 4"/>
@@ -10017,15 +10315,7 @@
                 </a14:m>
                 <a:r>
                   <a:rPr lang="hu-HU" dirty="0" smtClean="0"/>
-                  <a:t>  Csak </a:t>
-                </a:r>
-                <a:r>
-                  <a:rPr lang="hu-HU" dirty="0" smtClean="0"/>
-                  <a:t>a szomszédos pontokat </a:t>
-                </a:r>
-                <a:r>
-                  <a:rPr lang="hu-HU" dirty="0" smtClean="0"/>
-                  <a:t>veszem figyelembe </a:t>
+                  <a:t>  Csak a szomszédos pontokat veszem figyelembe </a:t>
                 </a:r>
                 <a14:m>
                   <m:oMath xmlns:m="http://schemas.openxmlformats.org/officeDocument/2006/math">
@@ -10084,7 +10374,7 @@
             </p:txBody>
           </p:sp>
         </mc:Choice>
-        <mc:Fallback>
+        <mc:Fallback xmlns="">
           <p:sp>
             <p:nvSpPr>
               <p:cNvPr id="5" name="Tartalom helye 4"/>
@@ -10139,7 +10429,7 @@
           <a:p>
             <a:fld id="{4248F88C-BDD9-444B-BA83-2C9CB8C9E98D}" type="slidenum">
               <a:rPr lang="hu-HU" smtClean="0"/>
-              <a:t>8</a:t>
+              <a:t>9</a:t>
             </a:fld>
             <a:endParaRPr lang="hu-HU"/>
           </a:p>
@@ -10149,126 +10439,6 @@
     <p:extLst>
       <p:ext uri="{BB962C8B-B14F-4D97-AF65-F5344CB8AC3E}">
         <p14:creationId xmlns:p14="http://schemas.microsoft.com/office/powerpoint/2010/main" val="4233465627"/>
-      </p:ext>
-    </p:extLst>
-  </p:cSld>
-  <p:clrMapOvr>
-    <a:masterClrMapping/>
-  </p:clrMapOvr>
-  <p:timing>
-    <p:tnLst>
-      <p:par>
-        <p:cTn id="1" dur="indefinite" restart="never" nodeType="tmRoot"/>
-      </p:par>
-    </p:tnLst>
-  </p:timing>
-</p:sld>
-</file>
-
-<file path=ppt/slides/slide9.xml><?xml version="1.0" encoding="utf-8"?>
-<p:sld xmlns:a="http://schemas.openxmlformats.org/drawingml/2006/main" xmlns:r="http://schemas.openxmlformats.org/officeDocument/2006/relationships" xmlns:p="http://schemas.openxmlformats.org/presentationml/2006/main">
-  <p:cSld>
-    <p:spTree>
-      <p:nvGrpSpPr>
-        <p:cNvPr id="1" name=""/>
-        <p:cNvGrpSpPr/>
-        <p:nvPr/>
-      </p:nvGrpSpPr>
-      <p:grpSpPr>
-        <a:xfrm>
-          <a:off x="0" y="0"/>
-          <a:ext cx="0" cy="0"/>
-          <a:chOff x="0" y="0"/>
-          <a:chExt cx="0" cy="0"/>
-        </a:xfrm>
-      </p:grpSpPr>
-      <p:sp>
-        <p:nvSpPr>
-          <p:cNvPr id="2" name="Dia számának helye 1"/>
-          <p:cNvSpPr>
-            <a:spLocks noGrp="1"/>
-          </p:cNvSpPr>
-          <p:nvPr>
-            <p:ph type="sldNum" sz="quarter" idx="12"/>
-          </p:nvPr>
-        </p:nvSpPr>
-        <p:spPr/>
-        <p:txBody>
-          <a:bodyPr/>
-          <a:lstStyle/>
-          <a:p>
-            <a:fld id="{4248F88C-BDD9-444B-BA83-2C9CB8C9E98D}" type="slidenum">
-              <a:rPr lang="hu-HU" smtClean="0"/>
-              <a:t>9</a:t>
-            </a:fld>
-            <a:endParaRPr lang="hu-HU"/>
-          </a:p>
-        </p:txBody>
-      </p:sp>
-      <p:pic>
-        <p:nvPicPr>
-          <p:cNvPr id="4" name="Kép helye 3"/>
-          <p:cNvPicPr>
-            <a:picLocks noGrp="1" noChangeAspect="1"/>
-          </p:cNvPicPr>
-          <p:nvPr>
-            <p:ph type="pic" sz="quarter" idx="13"/>
-          </p:nvPr>
-        </p:nvPicPr>
-        <p:blipFill>
-          <a:blip r:embed="rId2">
-            <a:extLst>
-              <a:ext uri="{28A0092B-C50C-407E-A947-70E740481C1C}">
-                <a14:useLocalDpi xmlns:a14="http://schemas.microsoft.com/office/drawing/2010/main" val="0"/>
-              </a:ext>
-            </a:extLst>
-          </a:blip>
-          <a:srcRect t="3647" b="3647"/>
-          <a:stretch>
-            <a:fillRect/>
-          </a:stretch>
-        </p:blipFill>
-        <p:spPr>
-          <a:xfrm>
-            <a:off x="697835" y="0"/>
-            <a:ext cx="7748329" cy="6477000"/>
-          </a:xfrm>
-        </p:spPr>
-      </p:pic>
-      <p:pic>
-        <p:nvPicPr>
-          <p:cNvPr id="3" name="Kép 2"/>
-          <p:cNvPicPr>
-            <a:picLocks noChangeAspect="1"/>
-          </p:cNvPicPr>
-          <p:nvPr/>
-        </p:nvPicPr>
-        <p:blipFill>
-          <a:blip r:embed="rId3" cstate="print">
-            <a:extLst>
-              <a:ext uri="{28A0092B-C50C-407E-A947-70E740481C1C}">
-                <a14:useLocalDpi xmlns:a14="http://schemas.microsoft.com/office/drawing/2010/main" val="0"/>
-              </a:ext>
-            </a:extLst>
-          </a:blip>
-          <a:stretch>
-            <a:fillRect/>
-          </a:stretch>
-        </p:blipFill>
-        <p:spPr>
-          <a:xfrm>
-            <a:off x="0" y="-1"/>
-            <a:ext cx="1799537" cy="1620000"/>
-          </a:xfrm>
-          <a:prstGeom prst="rect">
-            <a:avLst/>
-          </a:prstGeom>
-        </p:spPr>
-      </p:pic>
-    </p:spTree>
-    <p:extLst>
-      <p:ext uri="{BB962C8B-B14F-4D97-AF65-F5344CB8AC3E}">
-        <p14:creationId xmlns:p14="http://schemas.microsoft.com/office/powerpoint/2010/main" val="1947265146"/>
       </p:ext>
     </p:extLst>
   </p:cSld>
